--- a/proposal_xiaoyan6354.pptx
+++ b/proposal_xiaoyan6354.pptx
@@ -6,61 +6,63 @@
     <p:sldMasterId id="2147483754" r:id="rId2"/>
   </p:sldMasterIdLst>
   <p:notesMasterIdLst>
-    <p:notesMasterId r:id="rId15"/>
+    <p:notesMasterId r:id="rId17"/>
   </p:notesMasterIdLst>
   <p:sldIdLst>
     <p:sldId id="257" r:id="rId3"/>
-    <p:sldId id="258" r:id="rId4"/>
-    <p:sldId id="261" r:id="rId5"/>
-    <p:sldId id="267" r:id="rId6"/>
-    <p:sldId id="260" r:id="rId7"/>
-    <p:sldId id="262" r:id="rId8"/>
-    <p:sldId id="266" r:id="rId9"/>
-    <p:sldId id="259" r:id="rId10"/>
-    <p:sldId id="268" r:id="rId11"/>
-    <p:sldId id="269" r:id="rId12"/>
-    <p:sldId id="270" r:id="rId13"/>
-    <p:sldId id="271" r:id="rId14"/>
+    <p:sldId id="272" r:id="rId4"/>
+    <p:sldId id="258" r:id="rId5"/>
+    <p:sldId id="261" r:id="rId6"/>
+    <p:sldId id="267" r:id="rId7"/>
+    <p:sldId id="260" r:id="rId8"/>
+    <p:sldId id="262" r:id="rId9"/>
+    <p:sldId id="266" r:id="rId10"/>
+    <p:sldId id="259" r:id="rId11"/>
+    <p:sldId id="268" r:id="rId12"/>
+    <p:sldId id="269" r:id="rId13"/>
+    <p:sldId id="270" r:id="rId14"/>
+    <p:sldId id="273" r:id="rId15"/>
+    <p:sldId id="271" r:id="rId16"/>
   </p:sldIdLst>
   <p:sldSz cx="9144000" cy="5143500" type="screen16x9"/>
   <p:notesSz cx="6858000" cy="9144000"/>
   <p:embeddedFontLst>
     <p:embeddedFont>
       <p:font typeface="Barlow" panose="020B0604020202020204" charset="0"/>
-      <p:regular r:id="rId16"/>
-      <p:bold r:id="rId17"/>
-      <p:italic r:id="rId18"/>
-      <p:boldItalic r:id="rId19"/>
+      <p:regular r:id="rId18"/>
+      <p:bold r:id="rId19"/>
+      <p:italic r:id="rId20"/>
+      <p:boldItalic r:id="rId21"/>
     </p:embeddedFont>
     <p:embeddedFont>
       <p:font typeface="Barlow Condensed" panose="020B0604020202020204" charset="0"/>
-      <p:regular r:id="rId20"/>
-      <p:bold r:id="rId21"/>
-      <p:italic r:id="rId22"/>
-      <p:boldItalic r:id="rId23"/>
+      <p:regular r:id="rId22"/>
+      <p:bold r:id="rId23"/>
+      <p:italic r:id="rId24"/>
+      <p:boldItalic r:id="rId25"/>
     </p:embeddedFont>
     <p:embeddedFont>
       <p:font typeface="Barlow Condensed Light" panose="020B0604020202020204" charset="0"/>
-      <p:regular r:id="rId24"/>
-      <p:bold r:id="rId25"/>
-      <p:italic r:id="rId26"/>
-      <p:boldItalic r:id="rId27"/>
+      <p:regular r:id="rId26"/>
+      <p:bold r:id="rId27"/>
+      <p:italic r:id="rId28"/>
+      <p:boldItalic r:id="rId29"/>
     </p:embeddedFont>
     <p:embeddedFont>
       <p:font typeface="Manjari" panose="020B0604020202020204" charset="0"/>
-      <p:regular r:id="rId28"/>
-      <p:bold r:id="rId29"/>
+      <p:regular r:id="rId30"/>
+      <p:bold r:id="rId31"/>
     </p:embeddedFont>
     <p:embeddedFont>
       <p:font typeface="Poppins" panose="020B0604020202020204" charset="0"/>
-      <p:regular r:id="rId30"/>
-      <p:bold r:id="rId31"/>
-      <p:italic r:id="rId32"/>
-      <p:boldItalic r:id="rId33"/>
+      <p:regular r:id="rId32"/>
+      <p:bold r:id="rId33"/>
+      <p:italic r:id="rId34"/>
+      <p:boldItalic r:id="rId35"/>
     </p:embeddedFont>
     <p:embeddedFont>
       <p:font typeface="Rozha One" panose="020B0604020202020204" charset="0"/>
-      <p:regular r:id="rId34"/>
+      <p:regular r:id="rId36"/>
     </p:embeddedFont>
   </p:embeddedFontLst>
   <p:defaultTextStyle>
@@ -32540,6 +32542,66 @@
           <p:cNvPr id="4" name="Picture 3">
             <a:extLst>
               <a:ext uri="{FF2B5EF4-FFF2-40B4-BE49-F238E27FC236}">
+                <a16:creationId xmlns:a16="http://schemas.microsoft.com/office/drawing/2014/main" id="{7FBDD553-F719-44AC-89D1-4FCFB0CF0FF3}"/>
+              </a:ext>
+            </a:extLst>
+          </p:cNvPr>
+          <p:cNvPicPr>
+            <a:picLocks noChangeAspect="1"/>
+          </p:cNvPicPr>
+          <p:nvPr/>
+        </p:nvPicPr>
+        <p:blipFill>
+          <a:blip r:embed="rId2"/>
+          <a:stretch>
+            <a:fillRect/>
+          </a:stretch>
+        </p:blipFill>
+        <p:spPr>
+          <a:xfrm>
+            <a:off x="369014" y="1028700"/>
+            <a:ext cx="8563133" cy="2855841"/>
+          </a:xfrm>
+          <a:prstGeom prst="rect">
+            <a:avLst/>
+          </a:prstGeom>
+        </p:spPr>
+      </p:pic>
+    </p:spTree>
+    <p:extLst>
+      <p:ext uri="{BB962C8B-B14F-4D97-AF65-F5344CB8AC3E}">
+        <p14:creationId xmlns:p14="http://schemas.microsoft.com/office/powerpoint/2010/main" val="643987399"/>
+      </p:ext>
+    </p:extLst>
+  </p:cSld>
+  <p:clrMapOvr>
+    <a:masterClrMapping/>
+  </p:clrMapOvr>
+</p:sld>
+</file>
+
+<file path=ppt/slides/slide11.xml><?xml version="1.0" encoding="utf-8"?>
+<p:sld xmlns:a="http://schemas.openxmlformats.org/drawingml/2006/main" xmlns:r="http://schemas.openxmlformats.org/officeDocument/2006/relationships" xmlns:p="http://schemas.openxmlformats.org/presentationml/2006/main">
+  <p:cSld>
+    <p:spTree>
+      <p:nvGrpSpPr>
+        <p:cNvPr id="1" name=""/>
+        <p:cNvGrpSpPr/>
+        <p:nvPr/>
+      </p:nvGrpSpPr>
+      <p:grpSpPr>
+        <a:xfrm>
+          <a:off x="0" y="0"/>
+          <a:ext cx="0" cy="0"/>
+          <a:chOff x="0" y="0"/>
+          <a:chExt cx="0" cy="0"/>
+        </a:xfrm>
+      </p:grpSpPr>
+      <p:pic>
+        <p:nvPicPr>
+          <p:cNvPr id="4" name="Picture 3">
+            <a:extLst>
+              <a:ext uri="{FF2B5EF4-FFF2-40B4-BE49-F238E27FC236}">
                 <a16:creationId xmlns:a16="http://schemas.microsoft.com/office/drawing/2014/main" id="{87D3D01D-C285-4E30-AD01-75D5FC6394CF}"/>
               </a:ext>
             </a:extLst>
@@ -32578,7 +32640,7 @@
 </p:sld>
 </file>
 
-<file path=ppt/slides/slide11.xml><?xml version="1.0" encoding="utf-8"?>
+<file path=ppt/slides/slide12.xml><?xml version="1.0" encoding="utf-8"?>
 <p:sld xmlns:a="http://schemas.openxmlformats.org/drawingml/2006/main" xmlns:r="http://schemas.openxmlformats.org/officeDocument/2006/relationships" xmlns:p="http://schemas.openxmlformats.org/presentationml/2006/main">
   <p:cSld>
     <p:spTree>
@@ -32638,7 +32700,146 @@
 </p:sld>
 </file>
 
-<file path=ppt/slides/slide12.xml><?xml version="1.0" encoding="utf-8"?>
+<file path=ppt/slides/slide13.xml><?xml version="1.0" encoding="utf-8"?>
+<p:sld xmlns:a="http://schemas.openxmlformats.org/drawingml/2006/main" xmlns:r="http://schemas.openxmlformats.org/officeDocument/2006/relationships" xmlns:p="http://schemas.openxmlformats.org/presentationml/2006/main">
+  <p:cSld>
+    <p:spTree>
+      <p:nvGrpSpPr>
+        <p:cNvPr id="1" name=""/>
+        <p:cNvGrpSpPr/>
+        <p:nvPr/>
+      </p:nvGrpSpPr>
+      <p:grpSpPr>
+        <a:xfrm>
+          <a:off x="0" y="0"/>
+          <a:ext cx="0" cy="0"/>
+          <a:chOff x="0" y="0"/>
+          <a:chExt cx="0" cy="0"/>
+        </a:xfrm>
+      </p:grpSpPr>
+      <p:sp>
+        <p:nvSpPr>
+          <p:cNvPr id="2" name="Text Placeholder 1">
+            <a:extLst>
+              <a:ext uri="{FF2B5EF4-FFF2-40B4-BE49-F238E27FC236}">
+                <a16:creationId xmlns:a16="http://schemas.microsoft.com/office/drawing/2014/main" id="{1ADFD95E-CED8-4447-853E-27EAC9062DB6}"/>
+              </a:ext>
+            </a:extLst>
+          </p:cNvPr>
+          <p:cNvSpPr>
+            <a:spLocks noGrp="1"/>
+          </p:cNvSpPr>
+          <p:nvPr>
+            <p:ph type="body" idx="1"/>
+          </p:nvPr>
+        </p:nvSpPr>
+        <p:spPr>
+          <a:xfrm>
+            <a:off x="713225" y="1300924"/>
+            <a:ext cx="7704000" cy="2090861"/>
+          </a:xfrm>
+        </p:spPr>
+        <p:txBody>
+          <a:bodyPr/>
+          <a:lstStyle/>
+          <a:p>
+            <a:pPr marL="114300" indent="0">
+              <a:buNone/>
+            </a:pPr>
+            <a:endParaRPr lang="en-US" sz="1400" b="1" dirty="0"/>
+          </a:p>
+          <a:p>
+            <a:r>
+              <a:rPr lang="en-US" sz="1400" u="sng" dirty="0">
+                <a:hlinkClick r:id="rId2"/>
+              </a:rPr>
+              <a:t>https://xiaoyanhouston2.shinyapps.io/house_store/</a:t>
+            </a:r>
+            <a:endParaRPr lang="en-US" sz="1400" u="sng" dirty="0"/>
+          </a:p>
+          <a:p>
+            <a:endParaRPr lang="en-US" sz="1400" dirty="0"/>
+          </a:p>
+          <a:p>
+            <a:r>
+              <a:rPr lang="en-US" sz="1400" u="sng" dirty="0">
+                <a:hlinkClick r:id="rId3"/>
+              </a:rPr>
+              <a:t>https://xiaoyanhouston2.shinyapps.io/houseprice_frequency/</a:t>
+            </a:r>
+            <a:endParaRPr lang="en-US" sz="1400" u="sng" dirty="0"/>
+          </a:p>
+          <a:p>
+            <a:endParaRPr lang="en-US" sz="1400" dirty="0"/>
+          </a:p>
+          <a:p>
+            <a:r>
+              <a:rPr lang="en-US" sz="1400" u="sng" dirty="0">
+                <a:hlinkClick r:id="rId4"/>
+              </a:rPr>
+              <a:t>https://xiaoyanhouston2.shinyapps.io/house_hospital/</a:t>
+            </a:r>
+            <a:endParaRPr lang="en-US" sz="1400" u="sng" dirty="0"/>
+          </a:p>
+          <a:p>
+            <a:endParaRPr lang="en-US" sz="1400" dirty="0"/>
+          </a:p>
+          <a:p>
+            <a:r>
+              <a:rPr lang="en-US" sz="1400" u="sng" dirty="0">
+                <a:hlinkClick r:id="rId5"/>
+              </a:rPr>
+              <a:t>https://xiaoyanhouston2.shinyapps.io/house_school/</a:t>
+            </a:r>
+            <a:endParaRPr lang="en-US" sz="1400" dirty="0"/>
+          </a:p>
+          <a:p>
+            <a:endParaRPr lang="en-US" dirty="0"/>
+          </a:p>
+        </p:txBody>
+      </p:sp>
+      <p:sp>
+        <p:nvSpPr>
+          <p:cNvPr id="3" name="Title 2">
+            <a:extLst>
+              <a:ext uri="{FF2B5EF4-FFF2-40B4-BE49-F238E27FC236}">
+                <a16:creationId xmlns:a16="http://schemas.microsoft.com/office/drawing/2014/main" id="{0C4CCC0F-FEAF-463A-9483-4F1834818AF0}"/>
+              </a:ext>
+            </a:extLst>
+          </p:cNvPr>
+          <p:cNvSpPr>
+            <a:spLocks noGrp="1"/>
+          </p:cNvSpPr>
+          <p:nvPr>
+            <p:ph type="title"/>
+          </p:nvPr>
+        </p:nvSpPr>
+        <p:spPr/>
+        <p:txBody>
+          <a:bodyPr/>
+          <a:lstStyle/>
+          <a:p>
+            <a:r>
+              <a:rPr lang="en-US" dirty="0"/>
+              <a:t>Shiny app link</a:t>
+            </a:r>
+          </a:p>
+        </p:txBody>
+      </p:sp>
+    </p:spTree>
+    <p:extLst>
+      <p:ext uri="{BB962C8B-B14F-4D97-AF65-F5344CB8AC3E}">
+        <p14:creationId xmlns:p14="http://schemas.microsoft.com/office/powerpoint/2010/main" val="3653232351"/>
+      </p:ext>
+    </p:extLst>
+  </p:cSld>
+  <p:clrMapOvr>
+    <a:masterClrMapping/>
+  </p:clrMapOvr>
+</p:sld>
+</file>
+
+<file path=ppt/slides/slide14.xml><?xml version="1.0" encoding="utf-8"?>
 <p:sld xmlns:a="http://schemas.openxmlformats.org/drawingml/2006/main" xmlns:r="http://schemas.openxmlformats.org/officeDocument/2006/relationships" xmlns:p="http://schemas.openxmlformats.org/presentationml/2006/main">
   <p:cSld>
     <p:spTree>
@@ -32706,6 +32907,306 @@
   <p:cSld>
     <p:spTree>
       <p:nvGrpSpPr>
+        <p:cNvPr id="1" name=""/>
+        <p:cNvGrpSpPr/>
+        <p:nvPr/>
+      </p:nvGrpSpPr>
+      <p:grpSpPr>
+        <a:xfrm>
+          <a:off x="0" y="0"/>
+          <a:ext cx="0" cy="0"/>
+          <a:chOff x="0" y="0"/>
+          <a:chExt cx="0" cy="0"/>
+        </a:xfrm>
+      </p:grpSpPr>
+      <p:pic>
+        <p:nvPicPr>
+          <p:cNvPr id="4" name="Picture 3">
+            <a:extLst>
+              <a:ext uri="{FF2B5EF4-FFF2-40B4-BE49-F238E27FC236}">
+                <a16:creationId xmlns:a16="http://schemas.microsoft.com/office/drawing/2014/main" id="{78AEE017-5246-44B1-BAD2-ADDD17B06B70}"/>
+              </a:ext>
+            </a:extLst>
+          </p:cNvPr>
+          <p:cNvPicPr>
+            <a:picLocks noChangeAspect="1"/>
+          </p:cNvPicPr>
+          <p:nvPr/>
+        </p:nvPicPr>
+        <p:blipFill>
+          <a:blip r:embed="rId2"/>
+          <a:stretch>
+            <a:fillRect/>
+          </a:stretch>
+        </p:blipFill>
+        <p:spPr>
+          <a:xfrm>
+            <a:off x="3518156" y="2861081"/>
+            <a:ext cx="1876527" cy="1876527"/>
+          </a:xfrm>
+          <a:prstGeom prst="rect">
+            <a:avLst/>
+          </a:prstGeom>
+        </p:spPr>
+      </p:pic>
+      <p:pic>
+        <p:nvPicPr>
+          <p:cNvPr id="5" name="Picture 4">
+            <a:extLst>
+              <a:ext uri="{FF2B5EF4-FFF2-40B4-BE49-F238E27FC236}">
+                <a16:creationId xmlns:a16="http://schemas.microsoft.com/office/drawing/2014/main" id="{2FEFEB33-7EDB-4057-8AE7-9525656C0B3B}"/>
+              </a:ext>
+            </a:extLst>
+          </p:cNvPr>
+          <p:cNvPicPr>
+            <a:picLocks noChangeAspect="1"/>
+          </p:cNvPicPr>
+          <p:nvPr/>
+        </p:nvPicPr>
+        <p:blipFill>
+          <a:blip r:embed="rId3"/>
+          <a:stretch>
+            <a:fillRect/>
+          </a:stretch>
+        </p:blipFill>
+        <p:spPr>
+          <a:xfrm>
+            <a:off x="753021" y="1554694"/>
+            <a:ext cx="1505098" cy="1505098"/>
+          </a:xfrm>
+          <a:prstGeom prst="rect">
+            <a:avLst/>
+          </a:prstGeom>
+        </p:spPr>
+      </p:pic>
+      <p:pic>
+        <p:nvPicPr>
+          <p:cNvPr id="6" name="Picture 5">
+            <a:extLst>
+              <a:ext uri="{FF2B5EF4-FFF2-40B4-BE49-F238E27FC236}">
+                <a16:creationId xmlns:a16="http://schemas.microsoft.com/office/drawing/2014/main" id="{84C5ABA7-C3C6-496A-B10E-EEACB2E3E8F0}"/>
+              </a:ext>
+            </a:extLst>
+          </p:cNvPr>
+          <p:cNvPicPr>
+            <a:picLocks noChangeAspect="1"/>
+          </p:cNvPicPr>
+          <p:nvPr/>
+        </p:nvPicPr>
+        <p:blipFill>
+          <a:blip r:embed="rId4"/>
+          <a:stretch>
+            <a:fillRect/>
+          </a:stretch>
+        </p:blipFill>
+        <p:spPr>
+          <a:xfrm>
+            <a:off x="3812939" y="795633"/>
+            <a:ext cx="1518122" cy="1518122"/>
+          </a:xfrm>
+          <a:prstGeom prst="rect">
+            <a:avLst/>
+          </a:prstGeom>
+        </p:spPr>
+      </p:pic>
+      <p:pic>
+        <p:nvPicPr>
+          <p:cNvPr id="7" name="Picture 6">
+            <a:extLst>
+              <a:ext uri="{FF2B5EF4-FFF2-40B4-BE49-F238E27FC236}">
+                <a16:creationId xmlns:a16="http://schemas.microsoft.com/office/drawing/2014/main" id="{22BDC966-CC96-42F5-B656-068FA2EB5A35}"/>
+              </a:ext>
+            </a:extLst>
+          </p:cNvPr>
+          <p:cNvPicPr>
+            <a:picLocks noChangeAspect="1"/>
+          </p:cNvPicPr>
+          <p:nvPr/>
+        </p:nvPicPr>
+        <p:blipFill>
+          <a:blip r:embed="rId5"/>
+          <a:stretch>
+            <a:fillRect/>
+          </a:stretch>
+        </p:blipFill>
+        <p:spPr>
+          <a:xfrm>
+            <a:off x="6543976" y="1232058"/>
+            <a:ext cx="1761740" cy="1767497"/>
+          </a:xfrm>
+          <a:prstGeom prst="rect">
+            <a:avLst/>
+          </a:prstGeom>
+        </p:spPr>
+      </p:pic>
+      <p:sp>
+        <p:nvSpPr>
+          <p:cNvPr id="8" name="Thought Bubble: Cloud 7">
+            <a:extLst>
+              <a:ext uri="{FF2B5EF4-FFF2-40B4-BE49-F238E27FC236}">
+                <a16:creationId xmlns:a16="http://schemas.microsoft.com/office/drawing/2014/main" id="{BAFA2304-1EDC-4A2C-A75D-F9A0A01F4683}"/>
+              </a:ext>
+            </a:extLst>
+          </p:cNvPr>
+          <p:cNvSpPr/>
+          <p:nvPr/>
+        </p:nvSpPr>
+        <p:spPr>
+          <a:xfrm>
+            <a:off x="6185405" y="1220421"/>
+            <a:ext cx="2478881" cy="2005677"/>
+          </a:xfrm>
+          <a:prstGeom prst="cloudCallout">
+            <a:avLst>
+              <a:gd name="adj1" fmla="val -86874"/>
+              <a:gd name="adj2" fmla="val 57720"/>
+            </a:avLst>
+          </a:prstGeom>
+          <a:noFill/>
+        </p:spPr>
+        <p:style>
+          <a:lnRef idx="2">
+            <a:schemeClr val="accent1">
+              <a:shade val="50000"/>
+            </a:schemeClr>
+          </a:lnRef>
+          <a:fillRef idx="1">
+            <a:schemeClr val="accent1"/>
+          </a:fillRef>
+          <a:effectRef idx="0">
+            <a:schemeClr val="accent1"/>
+          </a:effectRef>
+          <a:fontRef idx="minor">
+            <a:schemeClr val="lt1"/>
+          </a:fontRef>
+        </p:style>
+        <p:txBody>
+          <a:bodyPr rtlCol="0" anchor="ctr"/>
+          <a:lstStyle/>
+          <a:p>
+            <a:pPr algn="ctr"/>
+            <a:endParaRPr lang="en-US"/>
+          </a:p>
+        </p:txBody>
+      </p:sp>
+      <p:sp>
+        <p:nvSpPr>
+          <p:cNvPr id="9" name="Thought Bubble: Cloud 8">
+            <a:extLst>
+              <a:ext uri="{FF2B5EF4-FFF2-40B4-BE49-F238E27FC236}">
+                <a16:creationId xmlns:a16="http://schemas.microsoft.com/office/drawing/2014/main" id="{1D3BA492-25C1-409E-A0D9-4CAD84B677C9}"/>
+              </a:ext>
+            </a:extLst>
+          </p:cNvPr>
+          <p:cNvSpPr/>
+          <p:nvPr/>
+        </p:nvSpPr>
+        <p:spPr>
+          <a:xfrm>
+            <a:off x="3350257" y="652040"/>
+            <a:ext cx="2478881" cy="2005677"/>
+          </a:xfrm>
+          <a:prstGeom prst="cloudCallout">
+            <a:avLst>
+              <a:gd name="adj1" fmla="val -4174"/>
+              <a:gd name="adj2" fmla="val 69118"/>
+            </a:avLst>
+          </a:prstGeom>
+          <a:noFill/>
+        </p:spPr>
+        <p:style>
+          <a:lnRef idx="2">
+            <a:schemeClr val="accent1">
+              <a:shade val="50000"/>
+            </a:schemeClr>
+          </a:lnRef>
+          <a:fillRef idx="1">
+            <a:schemeClr val="accent1"/>
+          </a:fillRef>
+          <a:effectRef idx="0">
+            <a:schemeClr val="accent1"/>
+          </a:effectRef>
+          <a:fontRef idx="minor">
+            <a:schemeClr val="lt1"/>
+          </a:fontRef>
+        </p:style>
+        <p:txBody>
+          <a:bodyPr rtlCol="0" anchor="ctr"/>
+          <a:lstStyle/>
+          <a:p>
+            <a:pPr algn="ctr"/>
+            <a:endParaRPr lang="en-US"/>
+          </a:p>
+        </p:txBody>
+      </p:sp>
+      <p:sp>
+        <p:nvSpPr>
+          <p:cNvPr id="10" name="Thought Bubble: Cloud 9">
+            <a:extLst>
+              <a:ext uri="{FF2B5EF4-FFF2-40B4-BE49-F238E27FC236}">
+                <a16:creationId xmlns:a16="http://schemas.microsoft.com/office/drawing/2014/main" id="{4F2DC0A7-5F3D-4C3B-B610-E65B4630F31A}"/>
+              </a:ext>
+            </a:extLst>
+          </p:cNvPr>
+          <p:cNvSpPr/>
+          <p:nvPr/>
+        </p:nvSpPr>
+        <p:spPr>
+          <a:xfrm>
+            <a:off x="413601" y="1430006"/>
+            <a:ext cx="2478881" cy="2005677"/>
+          </a:xfrm>
+          <a:prstGeom prst="cloudCallout">
+            <a:avLst>
+              <a:gd name="adj1" fmla="val 81203"/>
+              <a:gd name="adj2" fmla="val 53676"/>
+            </a:avLst>
+          </a:prstGeom>
+          <a:noFill/>
+        </p:spPr>
+        <p:style>
+          <a:lnRef idx="2">
+            <a:schemeClr val="accent1">
+              <a:shade val="50000"/>
+            </a:schemeClr>
+          </a:lnRef>
+          <a:fillRef idx="1">
+            <a:schemeClr val="accent1"/>
+          </a:fillRef>
+          <a:effectRef idx="0">
+            <a:schemeClr val="accent1"/>
+          </a:effectRef>
+          <a:fontRef idx="minor">
+            <a:schemeClr val="lt1"/>
+          </a:fontRef>
+        </p:style>
+        <p:txBody>
+          <a:bodyPr rtlCol="0" anchor="ctr"/>
+          <a:lstStyle/>
+          <a:p>
+            <a:pPr algn="ctr"/>
+            <a:endParaRPr lang="en-US"/>
+          </a:p>
+        </p:txBody>
+      </p:sp>
+    </p:spTree>
+    <p:extLst>
+      <p:ext uri="{BB962C8B-B14F-4D97-AF65-F5344CB8AC3E}">
+        <p14:creationId xmlns:p14="http://schemas.microsoft.com/office/powerpoint/2010/main" val="2534218843"/>
+      </p:ext>
+    </p:extLst>
+  </p:cSld>
+  <p:clrMapOvr>
+    <a:masterClrMapping/>
+  </p:clrMapOvr>
+</p:sld>
+</file>
+
+<file path=ppt/slides/slide3.xml><?xml version="1.0" encoding="utf-8"?>
+<p:sld xmlns:a="http://schemas.openxmlformats.org/drawingml/2006/main" xmlns:r="http://schemas.openxmlformats.org/officeDocument/2006/relationships" xmlns:p="http://schemas.openxmlformats.org/presentationml/2006/main">
+  <p:cSld>
+    <p:spTree>
+      <p:nvGrpSpPr>
         <p:cNvPr id="1" name="Shape 1022"/>
         <p:cNvGrpSpPr/>
         <p:nvPr/>
@@ -32948,7 +33449,7 @@
         </p:nvSpPr>
         <p:spPr>
           <a:xfrm>
-            <a:off x="1951317" y="1408175"/>
+            <a:off x="525424" y="1548153"/>
             <a:ext cx="4572000" cy="2554545"/>
           </a:xfrm>
           <a:prstGeom prst="rect">
@@ -33020,7 +33521,7 @@
 </p:sld>
 </file>
 
-<file path=ppt/slides/slide3.xml><?xml version="1.0" encoding="utf-8"?>
+<file path=ppt/slides/slide4.xml><?xml version="1.0" encoding="utf-8"?>
 <p:sld xmlns:a="http://schemas.openxmlformats.org/drawingml/2006/main" xmlns:r="http://schemas.openxmlformats.org/officeDocument/2006/relationships" xmlns:p="http://schemas.openxmlformats.org/presentationml/2006/main">
   <p:cSld>
     <p:spTree>
@@ -33329,7 +33830,7 @@
 </p:sld>
 </file>
 
-<file path=ppt/slides/slide4.xml><?xml version="1.0" encoding="utf-8"?>
+<file path=ppt/slides/slide5.xml><?xml version="1.0" encoding="utf-8"?>
 <p:sld xmlns:a="http://schemas.openxmlformats.org/drawingml/2006/main" xmlns:r="http://schemas.openxmlformats.org/officeDocument/2006/relationships" xmlns:p="http://schemas.openxmlformats.org/presentationml/2006/main">
   <p:cSld>
     <p:spTree>
@@ -33556,7 +34057,7 @@
 </p:sld>
 </file>
 
-<file path=ppt/slides/slide5.xml><?xml version="1.0" encoding="utf-8"?>
+<file path=ppt/slides/slide6.xml><?xml version="1.0" encoding="utf-8"?>
 <p:sld xmlns:a="http://schemas.openxmlformats.org/drawingml/2006/main" xmlns:r="http://schemas.openxmlformats.org/officeDocument/2006/relationships" xmlns:p="http://schemas.openxmlformats.org/presentationml/2006/main">
   <p:cSld>
     <p:spTree>
@@ -33874,7 +34375,7 @@
 </p:sld>
 </file>
 
-<file path=ppt/slides/slide6.xml><?xml version="1.0" encoding="utf-8"?>
+<file path=ppt/slides/slide7.xml><?xml version="1.0" encoding="utf-8"?>
 <p:sld xmlns:a="http://schemas.openxmlformats.org/drawingml/2006/main" xmlns:r="http://schemas.openxmlformats.org/officeDocument/2006/relationships" xmlns:p="http://schemas.openxmlformats.org/presentationml/2006/main">
   <p:cSld>
     <p:spTree>
@@ -34246,7 +34747,7 @@
 </p:sld>
 </file>
 
-<file path=ppt/slides/slide7.xml><?xml version="1.0" encoding="utf-8"?>
+<file path=ppt/slides/slide8.xml><?xml version="1.0" encoding="utf-8"?>
 <p:sld xmlns:a="http://schemas.openxmlformats.org/drawingml/2006/main" xmlns:r="http://schemas.openxmlformats.org/officeDocument/2006/relationships" xmlns:p="http://schemas.openxmlformats.org/presentationml/2006/main">
   <p:cSld>
     <p:spTree>
@@ -34484,7 +34985,7 @@
 </p:sld>
 </file>
 
-<file path=ppt/slides/slide8.xml><?xml version="1.0" encoding="utf-8"?>
+<file path=ppt/slides/slide9.xml><?xml version="1.0" encoding="utf-8"?>
 <p:sld xmlns:a="http://schemas.openxmlformats.org/drawingml/2006/main" xmlns:r="http://schemas.openxmlformats.org/officeDocument/2006/relationships" xmlns:p="http://schemas.openxmlformats.org/presentationml/2006/main">
   <p:cSld>
     <p:spTree>
@@ -34751,66 +35252,6 @@
     <p:extLst>
       <p:ext uri="{BB962C8B-B14F-4D97-AF65-F5344CB8AC3E}">
         <p14:creationId xmlns:p14="http://schemas.microsoft.com/office/powerpoint/2010/main" val="2318289995"/>
-      </p:ext>
-    </p:extLst>
-  </p:cSld>
-  <p:clrMapOvr>
-    <a:masterClrMapping/>
-  </p:clrMapOvr>
-</p:sld>
-</file>
-
-<file path=ppt/slides/slide9.xml><?xml version="1.0" encoding="utf-8"?>
-<p:sld xmlns:a="http://schemas.openxmlformats.org/drawingml/2006/main" xmlns:r="http://schemas.openxmlformats.org/officeDocument/2006/relationships" xmlns:p="http://schemas.openxmlformats.org/presentationml/2006/main">
-  <p:cSld>
-    <p:spTree>
-      <p:nvGrpSpPr>
-        <p:cNvPr id="1" name=""/>
-        <p:cNvGrpSpPr/>
-        <p:nvPr/>
-      </p:nvGrpSpPr>
-      <p:grpSpPr>
-        <a:xfrm>
-          <a:off x="0" y="0"/>
-          <a:ext cx="0" cy="0"/>
-          <a:chOff x="0" y="0"/>
-          <a:chExt cx="0" cy="0"/>
-        </a:xfrm>
-      </p:grpSpPr>
-      <p:pic>
-        <p:nvPicPr>
-          <p:cNvPr id="4" name="Picture 3">
-            <a:extLst>
-              <a:ext uri="{FF2B5EF4-FFF2-40B4-BE49-F238E27FC236}">
-                <a16:creationId xmlns:a16="http://schemas.microsoft.com/office/drawing/2014/main" id="{7FBDD553-F719-44AC-89D1-4FCFB0CF0FF3}"/>
-              </a:ext>
-            </a:extLst>
-          </p:cNvPr>
-          <p:cNvPicPr>
-            <a:picLocks noChangeAspect="1"/>
-          </p:cNvPicPr>
-          <p:nvPr/>
-        </p:nvPicPr>
-        <p:blipFill>
-          <a:blip r:embed="rId2"/>
-          <a:stretch>
-            <a:fillRect/>
-          </a:stretch>
-        </p:blipFill>
-        <p:spPr>
-          <a:xfrm>
-            <a:off x="369014" y="1028700"/>
-            <a:ext cx="8563133" cy="2855841"/>
-          </a:xfrm>
-          <a:prstGeom prst="rect">
-            <a:avLst/>
-          </a:prstGeom>
-        </p:spPr>
-      </p:pic>
-    </p:spTree>
-    <p:extLst>
-      <p:ext uri="{BB962C8B-B14F-4D97-AF65-F5344CB8AC3E}">
-        <p14:creationId xmlns:p14="http://schemas.microsoft.com/office/powerpoint/2010/main" val="643987399"/>
       </p:ext>
     </p:extLst>
   </p:cSld>
